--- a/2-6_Naive_Bayes_Classification.pptx
+++ b/2-6_Naive_Bayes_Classification.pptx
@@ -113,6 +113,11 @@
       </a:defRPr>
     </a:lvl9pPr>
   </p:defaultTextStyle>
+  <p:extLst>
+    <p:ext uri="{EFAFB233-063F-42B5-8137-9DF3F51BA10A}">
+      <p15:sldGuideLst xmlns:p15="http://schemas.microsoft.com/office/powerpoint/2012/main"/>
+    </p:ext>
+  </p:extLst>
 </p:presentation>
 </file>
 
@@ -263,7 +268,7 @@
           <a:p>
             <a:fld id="{C14EDA38-4C90-4584-9B4E-8F17E5DF2FB8}" type="datetimeFigureOut">
               <a:rPr lang="ko-KR" altLang="en-US" smtClean="0"/>
-              <a:t>2022-04-02</a:t>
+              <a:t>2022-04-12</a:t>
             </a:fld>
             <a:endParaRPr lang="ko-KR" altLang="en-US"/>
           </a:p>
@@ -461,7 +466,7 @@
           <a:p>
             <a:fld id="{C14EDA38-4C90-4584-9B4E-8F17E5DF2FB8}" type="datetimeFigureOut">
               <a:rPr lang="ko-KR" altLang="en-US" smtClean="0"/>
-              <a:t>2022-04-02</a:t>
+              <a:t>2022-04-12</a:t>
             </a:fld>
             <a:endParaRPr lang="ko-KR" altLang="en-US"/>
           </a:p>
@@ -669,7 +674,7 @@
           <a:p>
             <a:fld id="{C14EDA38-4C90-4584-9B4E-8F17E5DF2FB8}" type="datetimeFigureOut">
               <a:rPr lang="ko-KR" altLang="en-US" smtClean="0"/>
-              <a:t>2022-04-02</a:t>
+              <a:t>2022-04-12</a:t>
             </a:fld>
             <a:endParaRPr lang="ko-KR" altLang="en-US"/>
           </a:p>
@@ -867,7 +872,7 @@
           <a:p>
             <a:fld id="{C14EDA38-4C90-4584-9B4E-8F17E5DF2FB8}" type="datetimeFigureOut">
               <a:rPr lang="ko-KR" altLang="en-US" smtClean="0"/>
-              <a:t>2022-04-02</a:t>
+              <a:t>2022-04-12</a:t>
             </a:fld>
             <a:endParaRPr lang="ko-KR" altLang="en-US"/>
           </a:p>
@@ -1142,7 +1147,7 @@
           <a:p>
             <a:fld id="{C14EDA38-4C90-4584-9B4E-8F17E5DF2FB8}" type="datetimeFigureOut">
               <a:rPr lang="ko-KR" altLang="en-US" smtClean="0"/>
-              <a:t>2022-04-02</a:t>
+              <a:t>2022-04-12</a:t>
             </a:fld>
             <a:endParaRPr lang="ko-KR" altLang="en-US"/>
           </a:p>
@@ -1407,7 +1412,7 @@
           <a:p>
             <a:fld id="{C14EDA38-4C90-4584-9B4E-8F17E5DF2FB8}" type="datetimeFigureOut">
               <a:rPr lang="ko-KR" altLang="en-US" smtClean="0"/>
-              <a:t>2022-04-02</a:t>
+              <a:t>2022-04-12</a:t>
             </a:fld>
             <a:endParaRPr lang="ko-KR" altLang="en-US"/>
           </a:p>
@@ -1819,7 +1824,7 @@
           <a:p>
             <a:fld id="{C14EDA38-4C90-4584-9B4E-8F17E5DF2FB8}" type="datetimeFigureOut">
               <a:rPr lang="ko-KR" altLang="en-US" smtClean="0"/>
-              <a:t>2022-04-02</a:t>
+              <a:t>2022-04-12</a:t>
             </a:fld>
             <a:endParaRPr lang="ko-KR" altLang="en-US"/>
           </a:p>
@@ -1960,7 +1965,7 @@
           <a:p>
             <a:fld id="{C14EDA38-4C90-4584-9B4E-8F17E5DF2FB8}" type="datetimeFigureOut">
               <a:rPr lang="ko-KR" altLang="en-US" smtClean="0"/>
-              <a:t>2022-04-02</a:t>
+              <a:t>2022-04-12</a:t>
             </a:fld>
             <a:endParaRPr lang="ko-KR" altLang="en-US"/>
           </a:p>
@@ -2073,7 +2078,7 @@
           <a:p>
             <a:fld id="{C14EDA38-4C90-4584-9B4E-8F17E5DF2FB8}" type="datetimeFigureOut">
               <a:rPr lang="ko-KR" altLang="en-US" smtClean="0"/>
-              <a:t>2022-04-02</a:t>
+              <a:t>2022-04-12</a:t>
             </a:fld>
             <a:endParaRPr lang="ko-KR" altLang="en-US"/>
           </a:p>
@@ -2384,7 +2389,7 @@
           <a:p>
             <a:fld id="{C14EDA38-4C90-4584-9B4E-8F17E5DF2FB8}" type="datetimeFigureOut">
               <a:rPr lang="ko-KR" altLang="en-US" smtClean="0"/>
-              <a:t>2022-04-02</a:t>
+              <a:t>2022-04-12</a:t>
             </a:fld>
             <a:endParaRPr lang="ko-KR" altLang="en-US"/>
           </a:p>
@@ -2672,7 +2677,7 @@
           <a:p>
             <a:fld id="{C14EDA38-4C90-4584-9B4E-8F17E5DF2FB8}" type="datetimeFigureOut">
               <a:rPr lang="ko-KR" altLang="en-US" smtClean="0"/>
-              <a:t>2022-04-02</a:t>
+              <a:t>2022-04-12</a:t>
             </a:fld>
             <a:endParaRPr lang="ko-KR" altLang="en-US"/>
           </a:p>
@@ -2913,7 +2918,7 @@
           <a:p>
             <a:fld id="{C14EDA38-4C90-4584-9B4E-8F17E5DF2FB8}" type="datetimeFigureOut">
               <a:rPr lang="ko-KR" altLang="en-US" smtClean="0"/>
-              <a:t>2022-04-02</a:t>
+              <a:t>2022-04-12</a:t>
             </a:fld>
             <a:endParaRPr lang="ko-KR" altLang="en-US"/>
           </a:p>
@@ -3424,6 +3429,52 @@
           </a:prstGeom>
         </p:spPr>
       </p:pic>
+      <p:sp>
+        <p:nvSpPr>
+          <p:cNvPr id="5" name="TextBox 4">
+            <a:extLst>
+              <a:ext uri="{FF2B5EF4-FFF2-40B4-BE49-F238E27FC236}">
+                <a16:creationId xmlns:a16="http://schemas.microsoft.com/office/drawing/2014/main" id="{2691A193-AE0A-4F2C-BF2B-5C8FE43F7C79}"/>
+              </a:ext>
+            </a:extLst>
+          </p:cNvPr>
+          <p:cNvSpPr txBox="1"/>
+          <p:nvPr/>
+        </p:nvSpPr>
+        <p:spPr>
+          <a:xfrm>
+            <a:off x="0" y="6211669"/>
+            <a:ext cx="2805576" cy="646331"/>
+          </a:xfrm>
+          <a:prstGeom prst="rect">
+            <a:avLst/>
+          </a:prstGeom>
+          <a:noFill/>
+        </p:spPr>
+        <p:txBody>
+          <a:bodyPr wrap="none" rtlCol="0">
+            <a:spAutoFit/>
+          </a:bodyPr>
+          <a:lstStyle/>
+          <a:p>
+            <a:r>
+              <a:rPr lang="ko-KR" altLang="en-US" dirty="0"/>
+              <a:t>경희대학교 컴퓨터공학과</a:t>
+            </a:r>
+            <a:endParaRPr lang="en-US" altLang="ko-KR" dirty="0"/>
+          </a:p>
+          <a:p>
+            <a:r>
+              <a:rPr lang="en-US" altLang="ko-KR" dirty="0"/>
+              <a:t>2019102191 </a:t>
+            </a:r>
+            <a:r>
+              <a:rPr lang="ko-KR" altLang="en-US" dirty="0"/>
+              <a:t>신주영</a:t>
+            </a:r>
+          </a:p>
+        </p:txBody>
+      </p:sp>
     </p:spTree>
     <p:extLst>
       <p:ext uri="{BB962C8B-B14F-4D97-AF65-F5344CB8AC3E}">
@@ -6698,8 +6749,8 @@
           </a:p>
         </p:txBody>
       </p:sp>
-      <mc:AlternateContent xmlns:mc="http://schemas.openxmlformats.org/markup-compatibility/2006">
-        <mc:Choice xmlns:a14="http://schemas.microsoft.com/office/drawing/2010/main" Requires="a14">
+      <mc:AlternateContent xmlns:mc="http://schemas.openxmlformats.org/markup-compatibility/2006" xmlns:a14="http://schemas.microsoft.com/office/drawing/2010/main">
+        <mc:Choice Requires="a14">
           <p:sp>
             <p:nvSpPr>
               <p:cNvPr id="3" name="내용 개체 틀 2">
@@ -6875,7 +6926,7 @@
             </p:txBody>
           </p:sp>
         </mc:Choice>
-        <mc:Fallback>
+        <mc:Fallback xmlns="">
           <p:sp>
             <p:nvSpPr>
               <p:cNvPr id="3" name="내용 개체 틀 2">
